--- a/2024-05-04to05-10 (A5) C384400 NASA/21_27v01_Base Camp Artemis_PreliminaryFindings.pptx
+++ b/2024-05-04to05-10 (A5) C384400 NASA/21_27v01_Base Camp Artemis_PreliminaryFindings.pptx
@@ -267,7 +267,7 @@
           <a:p>
             <a:fld id="{F319E496-E8FF-4856-B08F-DBE14D18B236}" type="datetimeFigureOut">
               <a:rPr lang="en-US" smtClean="0"/>
-              <a:t>6/27/2024</a:t>
+              <a:t>8/11/2024</a:t>
             </a:fld>
             <a:endParaRPr lang="en-US"/>
           </a:p>
@@ -444,7 +444,7 @@
           <a:p>
             <a:fld id="{4572F63B-EF0F-9942-98B2-F67CC88AF236}" type="datetimeFigureOut">
               <a:rPr lang="en-US" smtClean="0"/>
-              <a:t>6/27/2024</a:t>
+              <a:t>8/11/2024</a:t>
             </a:fld>
             <a:endParaRPr lang="en-US"/>
           </a:p>
@@ -1582,7 +1582,7 @@
               </a14:hiddenLine>
             </a:ext>
             <a:ext uri="{FAA26D3D-D897-4be2-8F04-BA451C77F1D7}">
-              <ma14:placeholderFlag xmlns:ma14="http://schemas.microsoft.com/office/mac/drawingml/2011/main" xmlns="" val="1"/>
+              <ma14:placeholderFlag xmlns="" xmlns:ma14="http://schemas.microsoft.com/office/mac/drawingml/2011/main" val="1"/>
             </a:ext>
           </a:extLst>
         </p:spPr>
@@ -4444,14 +4444,14 @@
           </a:ln>
           <a:extLst>
             <a:ext uri="{909E8E84-426E-40dd-AFC4-6F175D3DCCD1}">
-              <a14:hiddenFill xmlns="" xmlns:a14="http://schemas.microsoft.com/office/drawing/2010/main">
+              <a14:hiddenFill xmlns:a14="http://schemas.microsoft.com/office/drawing/2010/main" xmlns="">
                 <a:solidFill>
                   <a:schemeClr val="accent1"/>
                 </a:solidFill>
               </a14:hiddenFill>
             </a:ext>
             <a:ext uri="{91240B29-F687-4f45-9708-019B960494DF}">
-              <a14:hiddenLine xmlns="" xmlns:a14="http://schemas.microsoft.com/office/drawing/2010/main" w="9525">
+              <a14:hiddenLine xmlns:a14="http://schemas.microsoft.com/office/drawing/2010/main" xmlns="" w="9525">
                 <a:solidFill>
                   <a:schemeClr val="tx1"/>
                 </a:solidFill>
@@ -4948,7 +4948,7 @@
           <a:graphicData uri="http://schemas.openxmlformats.org/presentationml/2006/ole">
             <mc:AlternateContent xmlns:mc="http://schemas.openxmlformats.org/markup-compatibility/2006">
               <mc:Choice xmlns:v="urn:schemas-microsoft-com:vml" Requires="v">
-                <p:oleObj spid="_x0000_s1038" name="Macro-Enabled Worksheet" r:id="rId3" imgW="5196769" imgH="2918310" progId="Excel.SheetMacroEnabled.12">
+                <p:oleObj spid="_x0000_s1041" name="Macro-Enabled Worksheet" r:id="rId3" imgW="5196769" imgH="2918310" progId="Excel.SheetMacroEnabled.12">
                   <p:link updateAutomatic="1"/>
                 </p:oleObj>
               </mc:Choice>
@@ -5017,7 +5017,7 @@
           <a:graphicData uri="http://schemas.openxmlformats.org/presentationml/2006/ole">
             <mc:AlternateContent xmlns:mc="http://schemas.openxmlformats.org/markup-compatibility/2006">
               <mc:Choice xmlns:v="urn:schemas-microsoft-com:vml" Requires="v">
-                <p:oleObj spid="_x0000_s1039" name="Macro-Enabled Worksheet" r:id="rId5" imgW="5196769" imgH="670734" progId="Excel.SheetMacroEnabled.12">
+                <p:oleObj spid="_x0000_s1042" name="Macro-Enabled Worksheet" r:id="rId5" imgW="5196769" imgH="670734" progId="Excel.SheetMacroEnabled.12">
                   <p:link updateAutomatic="1"/>
                 </p:oleObj>
               </mc:Choice>
@@ -5086,7 +5086,7 @@
           <a:graphicData uri="http://schemas.openxmlformats.org/presentationml/2006/ole">
             <mc:AlternateContent xmlns:mc="http://schemas.openxmlformats.org/markup-compatibility/2006">
               <mc:Choice xmlns:v="urn:schemas-microsoft-com:vml" Requires="v">
-                <p:oleObj spid="_x0000_s1040" name="Macro-Enabled Worksheet" r:id="rId7" imgW="5196769" imgH="274178" progId="Excel.SheetMacroEnabled.12">
+                <p:oleObj spid="_x0000_s1043" name="Macro-Enabled Worksheet" r:id="rId7" imgW="5196769" imgH="274178" progId="Excel.SheetMacroEnabled.12">
                   <p:link updateAutomatic="1"/>
                 </p:oleObj>
               </mc:Choice>
@@ -17795,6 +17795,156 @@
                 <a:ea typeface="宋体" panose="02010600030101010101" pitchFamily="2" charset="-122"/>
               </a:rPr>
               <a:t>很荣幸这段时间与您共事，现在向您展示初步结果，供您确认</a:t>
+            </a:r>
+          </a:p>
+        </p:txBody>
+      </p:sp>
+      <p:sp>
+        <p:nvSpPr>
+          <p:cNvPr id="52" name="TextBox 51">
+            <a:extLst>
+              <a:ext uri="{FF2B5EF4-FFF2-40B4-BE49-F238E27FC236}">
+                <a16:creationId xmlns:a16="http://schemas.microsoft.com/office/drawing/2014/main" id="{382945E9-2F57-4420-BA56-8960D3908F35}"/>
+              </a:ext>
+            </a:extLst>
+          </p:cNvPr>
+          <p:cNvSpPr txBox="1"/>
+          <p:nvPr/>
+        </p:nvSpPr>
+        <p:spPr>
+          <a:xfrm>
+            <a:off x="10628572" y="1054688"/>
+            <a:ext cx="1356866" cy="738664"/>
+          </a:xfrm>
+          <a:prstGeom prst="rect">
+            <a:avLst/>
+          </a:prstGeom>
+          <a:noFill/>
+          <a:ln>
+            <a:solidFill>
+              <a:srgbClr val="FF0000"/>
+            </a:solidFill>
+          </a:ln>
+        </p:spPr>
+        <p:txBody>
+          <a:bodyPr wrap="square">
+            <a:spAutoFit/>
+          </a:bodyPr>
+          <a:lstStyle>
+            <a:defPPr>
+              <a:defRPr lang="en-US"/>
+            </a:defPPr>
+            <a:lvl1pPr marL="0" algn="l" defTabSz="914400" rtl="0" eaLnBrk="1" latinLnBrk="0" hangingPunct="1">
+              <a:defRPr sz="1800" kern="1200">
+                <a:solidFill>
+                  <a:schemeClr val="tx1"/>
+                </a:solidFill>
+                <a:latin typeface="+mn-lt"/>
+                <a:ea typeface="+mn-ea"/>
+                <a:cs typeface="+mn-cs"/>
+              </a:defRPr>
+            </a:lvl1pPr>
+            <a:lvl2pPr marL="457200" algn="l" defTabSz="914400" rtl="0" eaLnBrk="1" latinLnBrk="0" hangingPunct="1">
+              <a:defRPr sz="1800" kern="1200">
+                <a:solidFill>
+                  <a:schemeClr val="tx1"/>
+                </a:solidFill>
+                <a:latin typeface="+mn-lt"/>
+                <a:ea typeface="+mn-ea"/>
+                <a:cs typeface="+mn-cs"/>
+              </a:defRPr>
+            </a:lvl2pPr>
+            <a:lvl3pPr marL="914400" algn="l" defTabSz="914400" rtl="0" eaLnBrk="1" latinLnBrk="0" hangingPunct="1">
+              <a:defRPr sz="1800" kern="1200">
+                <a:solidFill>
+                  <a:schemeClr val="tx1"/>
+                </a:solidFill>
+                <a:latin typeface="+mn-lt"/>
+                <a:ea typeface="+mn-ea"/>
+                <a:cs typeface="+mn-cs"/>
+              </a:defRPr>
+            </a:lvl3pPr>
+            <a:lvl4pPr marL="1371600" algn="l" defTabSz="914400" rtl="0" eaLnBrk="1" latinLnBrk="0" hangingPunct="1">
+              <a:defRPr sz="1800" kern="1200">
+                <a:solidFill>
+                  <a:schemeClr val="tx1"/>
+                </a:solidFill>
+                <a:latin typeface="+mn-lt"/>
+                <a:ea typeface="+mn-ea"/>
+                <a:cs typeface="+mn-cs"/>
+              </a:defRPr>
+            </a:lvl4pPr>
+            <a:lvl5pPr marL="1828800" algn="l" defTabSz="914400" rtl="0" eaLnBrk="1" latinLnBrk="0" hangingPunct="1">
+              <a:defRPr sz="1800" kern="1200">
+                <a:solidFill>
+                  <a:schemeClr val="tx1"/>
+                </a:solidFill>
+                <a:latin typeface="+mn-lt"/>
+                <a:ea typeface="+mn-ea"/>
+                <a:cs typeface="+mn-cs"/>
+              </a:defRPr>
+            </a:lvl5pPr>
+            <a:lvl6pPr marL="2286000" algn="l" defTabSz="914400" rtl="0" eaLnBrk="1" latinLnBrk="0" hangingPunct="1">
+              <a:defRPr sz="1800" kern="1200">
+                <a:solidFill>
+                  <a:schemeClr val="tx1"/>
+                </a:solidFill>
+                <a:latin typeface="+mn-lt"/>
+                <a:ea typeface="+mn-ea"/>
+                <a:cs typeface="+mn-cs"/>
+              </a:defRPr>
+            </a:lvl6pPr>
+            <a:lvl7pPr marL="2743200" algn="l" defTabSz="914400" rtl="0" eaLnBrk="1" latinLnBrk="0" hangingPunct="1">
+              <a:defRPr sz="1800" kern="1200">
+                <a:solidFill>
+                  <a:schemeClr val="tx1"/>
+                </a:solidFill>
+                <a:latin typeface="+mn-lt"/>
+                <a:ea typeface="+mn-ea"/>
+                <a:cs typeface="+mn-cs"/>
+              </a:defRPr>
+            </a:lvl7pPr>
+            <a:lvl8pPr marL="3200400" algn="l" defTabSz="914400" rtl="0" eaLnBrk="1" latinLnBrk="0" hangingPunct="1">
+              <a:defRPr sz="1800" kern="1200">
+                <a:solidFill>
+                  <a:schemeClr val="tx1"/>
+                </a:solidFill>
+                <a:latin typeface="+mn-lt"/>
+                <a:ea typeface="+mn-ea"/>
+                <a:cs typeface="+mn-cs"/>
+              </a:defRPr>
+            </a:lvl8pPr>
+            <a:lvl9pPr marL="3657600" algn="l" defTabSz="914400" rtl="0" eaLnBrk="1" latinLnBrk="0" hangingPunct="1">
+              <a:defRPr sz="1800" kern="1200">
+                <a:solidFill>
+                  <a:schemeClr val="tx1"/>
+                </a:solidFill>
+                <a:latin typeface="+mn-lt"/>
+                <a:ea typeface="+mn-ea"/>
+                <a:cs typeface="+mn-cs"/>
+              </a:defRPr>
+            </a:lvl9pPr>
+          </a:lstStyle>
+          <a:p>
+            <a:pPr algn="ctr"/>
+            <a:r>
+              <a:rPr lang="en-US" sz="1400" dirty="0">
+                <a:solidFill>
+                  <a:srgbClr val="FF0000"/>
+                </a:solidFill>
+              </a:rPr>
+              <a:t>Registered PRC trademark</a:t>
+            </a:r>
+          </a:p>
+          <a:p>
+            <a:pPr algn="ctr"/>
+            <a:r>
+              <a:rPr lang="en-US" sz="1400" dirty="0">
+                <a:solidFill>
+                  <a:srgbClr val="FF0000"/>
+                </a:solidFill>
+              </a:rPr>
+              <a:t>21050449</a:t>
             </a:r>
           </a:p>
         </p:txBody>
@@ -20204,18 +20354,18 @@
 </file>
 
 <file path=customXml/item1.xml><?xml version="1.0" encoding="utf-8"?>
-<p:properties xmlns:p="http://schemas.microsoft.com/office/2006/metadata/properties" xmlns:xsi="http://www.w3.org/2001/XMLSchema-instance" xmlns:pc="http://schemas.microsoft.com/office/infopath/2007/PartnerControls">
-  <documentManagement/>
-</p:properties>
-</file>
-
-<file path=customXml/item2.xml><?xml version="1.0" encoding="utf-8"?>
 <?mso-contentType ?>
 <FormTemplates xmlns="http://schemas.microsoft.com/sharepoint/v3/contenttype/forms">
   <Display>DocumentLibraryForm</Display>
   <Edit>DocumentLibraryForm</Edit>
   <New>DocumentLibraryForm</New>
 </FormTemplates>
+</file>
+
+<file path=customXml/item2.xml><?xml version="1.0" encoding="utf-8"?>
+<p:properties xmlns:p="http://schemas.microsoft.com/office/2006/metadata/properties" xmlns:xsi="http://www.w3.org/2001/XMLSchema-instance" xmlns:pc="http://schemas.microsoft.com/office/infopath/2007/PartnerControls">
+  <documentManagement/>
+</p:properties>
 </file>
 
 <file path=customXml/item3.xml><?xml version="1.0" encoding="utf-8"?>
@@ -20430,6 +20580,14 @@
 </file>
 
 <file path=customXml/itemProps1.xml><?xml version="1.0" encoding="utf-8"?>
+<ds:datastoreItem xmlns:ds="http://schemas.openxmlformats.org/officeDocument/2006/customXml" ds:itemID="{B8B49826-D5EE-4D24-B649-7C3A19B527D2}">
+  <ds:schemaRefs>
+    <ds:schemaRef ds:uri="http://schemas.microsoft.com/sharepoint/v3/contenttype/forms"/>
+  </ds:schemaRefs>
+</ds:datastoreItem>
+</file>
+
+<file path=customXml/itemProps2.xml><?xml version="1.0" encoding="utf-8"?>
 <ds:datastoreItem xmlns:ds="http://schemas.openxmlformats.org/officeDocument/2006/customXml" ds:itemID="{5F07B0D7-F930-4230-933E-ABA84959494E}">
   <ds:schemaRefs>
     <ds:schemaRef ds:uri="http://purl.org/dc/elements/1.1/"/>
@@ -20442,14 +20600,6 @@
     <ds:schemaRef ds:uri="ec500478-62e0-46fc-87f1-cfa988e486b4"/>
     <ds:schemaRef ds:uri="http://purl.org/dc/dcmitype/"/>
     <ds:schemaRef ds:uri="http://purl.org/dc/terms/"/>
-  </ds:schemaRefs>
-</ds:datastoreItem>
-</file>
-
-<file path=customXml/itemProps2.xml><?xml version="1.0" encoding="utf-8"?>
-<ds:datastoreItem xmlns:ds="http://schemas.openxmlformats.org/officeDocument/2006/customXml" ds:itemID="{B8B49826-D5EE-4D24-B649-7C3A19B527D2}">
-  <ds:schemaRefs>
-    <ds:schemaRef ds:uri="http://schemas.microsoft.com/sharepoint/v3/contenttype/forms"/>
   </ds:schemaRefs>
 </ds:datastoreItem>
 </file>
